--- a/Apresentação BW (1).pptx
+++ b/Apresentação BW (1).pptx
@@ -18906,7 +18906,7 @@
         </p:blipFill>
         <p:spPr>
           <a:xfrm>
-            <a:off x="7199009" y="470720"/>
+            <a:off x="7199009" y="461389"/>
             <a:ext cx="1620521" cy="1620521"/>
           </a:xfrm>
           <a:prstGeom prst="rect">
@@ -19848,15 +19848,24 @@
                                   </p:childTnLst>
                                 </p:cTn>
                               </p:par>
+                            </p:childTnLst>
+                          </p:cTn>
+                        </p:par>
+                        <p:par>
+                          <p:cTn id="9" fill="hold">
+                            <p:stCondLst>
+                              <p:cond delay="500"/>
+                            </p:stCondLst>
+                            <p:childTnLst>
                               <p:par>
-                                <p:cTn id="9" presetID="10" presetClass="entr" presetSubtype="0" fill="hold" nodeType="withEffect">
+                                <p:cTn id="10" presetID="10" presetClass="entr" presetSubtype="0" fill="hold" nodeType="afterEffect">
                                   <p:stCondLst>
-                                    <p:cond delay="0"/>
+                                    <p:cond delay="750"/>
                                   </p:stCondLst>
                                   <p:childTnLst>
                                     <p:set>
                                       <p:cBhvr>
-                                        <p:cTn id="10" dur="1" fill="hold">
+                                        <p:cTn id="11" dur="1" fill="hold">
                                           <p:stCondLst>
                                             <p:cond delay="0"/>
                                           </p:stCondLst>
@@ -19874,7 +19883,7 @@
                                     </p:set>
                                     <p:animEffect transition="in" filter="fade">
                                       <p:cBhvr>
-                                        <p:cTn id="11" dur="500"/>
+                                        <p:cTn id="12" dur="500"/>
                                         <p:tgtEl>
                                           <p:spTgt spid="7"/>
                                         </p:tgtEl>
@@ -19887,20 +19896,20 @@
                           </p:cTn>
                         </p:par>
                         <p:par>
-                          <p:cTn id="12" fill="hold">
+                          <p:cTn id="13" fill="hold">
                             <p:stCondLst>
-                              <p:cond delay="500"/>
+                              <p:cond delay="1750"/>
                             </p:stCondLst>
                             <p:childTnLst>
                               <p:par>
-                                <p:cTn id="13" presetID="10" presetClass="entr" presetSubtype="0" fill="hold" nodeType="afterEffect">
+                                <p:cTn id="14" presetID="10" presetClass="entr" presetSubtype="0" fill="hold" nodeType="afterEffect">
                                   <p:stCondLst>
                                     <p:cond delay="750"/>
                                   </p:stCondLst>
                                   <p:childTnLst>
                                     <p:set>
                                       <p:cBhvr>
-                                        <p:cTn id="14" dur="1" fill="hold">
+                                        <p:cTn id="15" dur="1" fill="hold">
                                           <p:stCondLst>
                                             <p:cond delay="0"/>
                                           </p:stCondLst>
@@ -19918,7 +19927,7 @@
                                     </p:set>
                                     <p:animEffect transition="in" filter="fade">
                                       <p:cBhvr>
-                                        <p:cTn id="15" dur="500"/>
+                                        <p:cTn id="16" dur="500"/>
                                         <p:tgtEl>
                                           <p:spTgt spid="9"/>
                                         </p:tgtEl>
@@ -19931,20 +19940,20 @@
                           </p:cTn>
                         </p:par>
                         <p:par>
-                          <p:cTn id="16" fill="hold">
+                          <p:cTn id="17" fill="hold">
                             <p:stCondLst>
-                              <p:cond delay="1750"/>
+                              <p:cond delay="3000"/>
                             </p:stCondLst>
                             <p:childTnLst>
                               <p:par>
-                                <p:cTn id="17" presetID="10" presetClass="entr" presetSubtype="0" fill="hold" nodeType="afterEffect">
+                                <p:cTn id="18" presetID="10" presetClass="entr" presetSubtype="0" fill="hold" nodeType="afterEffect">
                                   <p:stCondLst>
                                     <p:cond delay="750"/>
                                   </p:stCondLst>
                                   <p:childTnLst>
                                     <p:set>
                                       <p:cBhvr>
-                                        <p:cTn id="18" dur="1" fill="hold">
+                                        <p:cTn id="19" dur="1" fill="hold">
                                           <p:stCondLst>
                                             <p:cond delay="0"/>
                                           </p:stCondLst>
@@ -19962,7 +19971,7 @@
                                     </p:set>
                                     <p:animEffect transition="in" filter="fade">
                                       <p:cBhvr>
-                                        <p:cTn id="19" dur="500"/>
+                                        <p:cTn id="20" dur="500"/>
                                         <p:tgtEl>
                                           <p:spTgt spid="11"/>
                                         </p:tgtEl>
@@ -19975,20 +19984,20 @@
                           </p:cTn>
                         </p:par>
                         <p:par>
-                          <p:cTn id="20" fill="hold">
+                          <p:cTn id="21" fill="hold">
                             <p:stCondLst>
-                              <p:cond delay="3000"/>
+                              <p:cond delay="4250"/>
                             </p:stCondLst>
                             <p:childTnLst>
                               <p:par>
-                                <p:cTn id="21" presetID="10" presetClass="entr" presetSubtype="0" fill="hold" nodeType="afterEffect">
+                                <p:cTn id="22" presetID="10" presetClass="entr" presetSubtype="0" fill="hold" nodeType="afterEffect">
                                   <p:stCondLst>
                                     <p:cond delay="750"/>
                                   </p:stCondLst>
                                   <p:childTnLst>
                                     <p:set>
                                       <p:cBhvr>
-                                        <p:cTn id="22" dur="1" fill="hold">
+                                        <p:cTn id="23" dur="1" fill="hold">
                                           <p:stCondLst>
                                             <p:cond delay="0"/>
                                           </p:stCondLst>
@@ -20006,7 +20015,7 @@
                                     </p:set>
                                     <p:animEffect transition="in" filter="fade">
                                       <p:cBhvr>
-                                        <p:cTn id="23" dur="500"/>
+                                        <p:cTn id="24" dur="500"/>
                                         <p:tgtEl>
                                           <p:spTgt spid="13"/>
                                         </p:tgtEl>

--- a/Apresentação BW (1).pptx
+++ b/Apresentação BW (1).pptx
@@ -2811,7 +2811,7 @@
           <a:p>
             <a:fld id="{9AB3A824-1A51-4B26-AD58-A6D8E14F6C04}" type="datetimeFigureOut">
               <a:rPr lang="en-US" smtClean="0"/>
-              <a:t>12/6/2020</a:t>
+              <a:t>12/11/2020</a:t>
             </a:fld>
             <a:endParaRPr lang="en-US" dirty="0"/>
           </a:p>
@@ -3014,7 +3014,7 @@
           <a:p>
             <a:fld id="{D857E33E-8B18-4087-B112-809917729534}" type="datetimeFigureOut">
               <a:rPr lang="en-US" smtClean="0"/>
-              <a:t>12/6/2020</a:t>
+              <a:t>12/11/2020</a:t>
             </a:fld>
             <a:endParaRPr lang="en-US" dirty="0"/>
           </a:p>
@@ -3227,7 +3227,7 @@
           <a:p>
             <a:fld id="{D3FFE419-2371-464F-8239-3959401C3561}" type="datetimeFigureOut">
               <a:rPr lang="en-US" smtClean="0"/>
-              <a:t>12/6/2020</a:t>
+              <a:t>12/11/2020</a:t>
             </a:fld>
             <a:endParaRPr lang="en-US" dirty="0"/>
           </a:p>
@@ -3430,7 +3430,7 @@
           <a:p>
             <a:fld id="{97D162C4-EDD9-4389-A98B-B87ECEA2A816}" type="datetimeFigureOut">
               <a:rPr lang="en-US" smtClean="0"/>
-              <a:t>12/6/2020</a:t>
+              <a:t>12/11/2020</a:t>
             </a:fld>
             <a:endParaRPr lang="en-US" dirty="0"/>
           </a:p>
@@ -3710,7 +3710,7 @@
           <a:p>
             <a:fld id="{3E5059C3-6A89-4494-99FF-5A4D6FFD50EB}" type="datetimeFigureOut">
               <a:rPr lang="en-US" smtClean="0"/>
-              <a:t>12/6/2020</a:t>
+              <a:t>12/11/2020</a:t>
             </a:fld>
             <a:endParaRPr lang="en-US" dirty="0"/>
           </a:p>
@@ -3980,7 +3980,7 @@
           <a:p>
             <a:fld id="{CA954B2F-12DE-47F5-8894-472B206D2E1E}" type="datetimeFigureOut">
               <a:rPr lang="en-US" smtClean="0"/>
-              <a:t>12/6/2020</a:t>
+              <a:t>12/11/2020</a:t>
             </a:fld>
             <a:endParaRPr lang="en-US" dirty="0"/>
           </a:p>
@@ -4397,7 +4397,7 @@
           <a:p>
             <a:fld id="{3F30E46F-7819-4ACF-B48B-48222C2ACC88}" type="datetimeFigureOut">
               <a:rPr lang="en-US" smtClean="0"/>
-              <a:t>12/6/2020</a:t>
+              <a:t>12/11/2020</a:t>
             </a:fld>
             <a:endParaRPr lang="en-US" dirty="0"/>
           </a:p>
@@ -4543,7 +4543,7 @@
           <a:p>
             <a:fld id="{1FAF3416-4057-4DAA-829D-4CA07428D088}" type="datetimeFigureOut">
               <a:rPr lang="en-US" smtClean="0"/>
-              <a:t>12/6/2020</a:t>
+              <a:t>12/11/2020</a:t>
             </a:fld>
             <a:endParaRPr lang="en-US" dirty="0"/>
           </a:p>
@@ -4661,7 +4661,7 @@
           <a:p>
             <a:fld id="{921D9284-D300-4297-87F7-E791DCC15DB1}" type="datetimeFigureOut">
               <a:rPr lang="en-US" smtClean="0"/>
-              <a:t>12/6/2020</a:t>
+              <a:t>12/11/2020</a:t>
             </a:fld>
             <a:endParaRPr lang="en-US" dirty="0"/>
           </a:p>
@@ -4977,7 +4977,7 @@
           <a:p>
             <a:fld id="{37D525BB-DA17-4BA0-B3C8-3AC3ABC827E6}" type="datetimeFigureOut">
               <a:rPr lang="en-US" smtClean="0"/>
-              <a:t>12/6/2020</a:t>
+              <a:t>12/11/2020</a:t>
             </a:fld>
             <a:endParaRPr lang="en-US" dirty="0"/>
           </a:p>
@@ -5270,7 +5270,7 @@
           <a:p>
             <a:fld id="{B16C4C9A-3960-41CF-A4E9-2A8FB932454B}" type="datetimeFigureOut">
               <a:rPr lang="en-US" smtClean="0"/>
-              <a:t>12/6/2020</a:t>
+              <a:t>12/11/2020</a:t>
             </a:fld>
             <a:endParaRPr lang="en-US" dirty="0"/>
           </a:p>
@@ -5516,7 +5516,7 @@
           <a:p>
             <a:fld id="{3CBC1C18-307B-4F68-A007-B5B542270E8D}" type="datetimeFigureOut">
               <a:rPr lang="en-US" smtClean="0"/>
-              <a:t>12/6/2020</a:t>
+              <a:t>12/11/2020</a:t>
             </a:fld>
             <a:endParaRPr lang="en-US" dirty="0"/>
           </a:p>
@@ -6755,7 +6755,7 @@
         </p:nvGrpSpPr>
         <p:grpSpPr>
           <a:xfrm>
-            <a:off x="630117" y="559490"/>
+            <a:off x="630117" y="476364"/>
             <a:ext cx="11329074" cy="1160882"/>
             <a:chOff x="630117" y="559490"/>
             <a:chExt cx="11329074" cy="1160882"/>
@@ -7013,7 +7013,31 @@
                   </a:solidFill>
                   <a:latin typeface="Helvetia"/>
                 </a:rPr>
-                <a:t>Definição das páginas da aplicação</a:t>
+                <a:t>Desenvolvimento do </a:t>
+              </a:r>
+              <a:r>
+                <a:rPr lang="pt-BR" sz="2500" i="1" dirty="0" err="1">
+                  <a:solidFill>
+                    <a:schemeClr val="tx1">
+                      <a:lumMod val="65000"/>
+                      <a:lumOff val="35000"/>
+                    </a:schemeClr>
+                  </a:solidFill>
+                  <a:latin typeface="Helvetia"/>
+                </a:rPr>
+                <a:t>frontend</a:t>
+              </a:r>
+              <a:r>
+                <a:rPr lang="pt-BR" sz="2500" dirty="0">
+                  <a:solidFill>
+                    <a:schemeClr val="tx1">
+                      <a:lumMod val="65000"/>
+                      <a:lumOff val="35000"/>
+                    </a:schemeClr>
+                  </a:solidFill>
+                  <a:latin typeface="Helvetia"/>
+                </a:rPr>
+                <a:t> </a:t>
               </a:r>
             </a:p>
           </p:txBody>
@@ -7033,7 +7057,7 @@
         </p:nvGrpSpPr>
         <p:grpSpPr>
           <a:xfrm>
-            <a:off x="594513" y="1943538"/>
+            <a:off x="594513" y="1985101"/>
             <a:ext cx="11364678" cy="1160882"/>
             <a:chOff x="594513" y="1943538"/>
             <a:chExt cx="11364678" cy="1160882"/>
@@ -7291,31 +7315,7 @@
                   </a:solidFill>
                   <a:latin typeface="Helvetia"/>
                 </a:rPr>
-                <a:t>Desenvolvimento do </a:t>
-              </a:r>
-              <a:r>
-                <a:rPr lang="pt-BR" sz="2500" i="1" dirty="0" err="1">
-                  <a:solidFill>
-                    <a:schemeClr val="tx1">
-                      <a:lumMod val="65000"/>
-                      <a:lumOff val="35000"/>
-                    </a:schemeClr>
-                  </a:solidFill>
-                  <a:latin typeface="Helvetia"/>
-                </a:rPr>
-                <a:t>frontend</a:t>
-              </a:r>
-              <a:r>
-                <a:rPr lang="pt-BR" sz="2500" dirty="0">
-                  <a:solidFill>
-                    <a:schemeClr val="tx1">
-                      <a:lumMod val="65000"/>
-                      <a:lumOff val="35000"/>
-                    </a:schemeClr>
-                  </a:solidFill>
-                  <a:latin typeface="Helvetia"/>
-                </a:rPr>
-                <a:t> </a:t>
+                <a:t>Modelagem dos dados</a:t>
               </a:r>
             </a:p>
           </p:txBody>
@@ -7593,8 +7593,29 @@
                   </a:solidFill>
                   <a:latin typeface="Helvetia"/>
                 </a:rPr>
-                <a:t>Modelagem dos dados</a:t>
+                <a:t>Desenvolvimento do </a:t>
               </a:r>
+              <a:r>
+                <a:rPr lang="pt-BR" sz="2500" i="1" dirty="0" err="1">
+                  <a:solidFill>
+                    <a:schemeClr val="tx1">
+                      <a:lumMod val="65000"/>
+                      <a:lumOff val="35000"/>
+                    </a:schemeClr>
+                  </a:solidFill>
+                  <a:latin typeface="Helvetia"/>
+                </a:rPr>
+                <a:t>backend</a:t>
+              </a:r>
+              <a:endParaRPr lang="pt-BR" sz="2500" dirty="0">
+                <a:solidFill>
+                  <a:schemeClr val="tx1">
+                    <a:lumMod val="65000"/>
+                    <a:lumOff val="35000"/>
+                  </a:schemeClr>
+                </a:solidFill>
+                <a:latin typeface="Helvetia"/>
+              </a:endParaRPr>
             </a:p>
           </p:txBody>
         </p:sp>
@@ -7862,7 +7883,7 @@
             <a:lstStyle/>
             <a:p>
               <a:r>
-                <a:rPr lang="pt-BR" sz="2500" dirty="0">
+                <a:rPr lang="pt-BR" sz="2500" i="1" dirty="0">
                   <a:solidFill>
                     <a:schemeClr val="tx1">
                       <a:lumMod val="65000"/>
@@ -7871,7 +7892,7 @@
                   </a:solidFill>
                   <a:latin typeface="Helvetia"/>
                 </a:rPr>
-                <a:t>Desenvolvimento do </a:t>
+                <a:t>Futuro: </a:t>
               </a:r>
               <a:r>
                 <a:rPr lang="pt-BR" sz="2500" i="1" dirty="0" err="1">
@@ -7883,32 +7904,17 @@
                   </a:solidFill>
                   <a:latin typeface="Helvetia"/>
                 </a:rPr>
-                <a:t>backend</a:t>
+                <a:t>refatoração</a:t>
               </a:r>
-              <a:r>
-                <a:rPr lang="pt-BR" sz="2500" dirty="0">
-                  <a:solidFill>
-                    <a:schemeClr val="tx1">
-                      <a:lumMod val="65000"/>
-                      <a:lumOff val="35000"/>
-                    </a:schemeClr>
-                  </a:solidFill>
-                  <a:latin typeface="Helvetia"/>
-                </a:rPr>
-                <a:t> e reconstrução do </a:t>
-              </a:r>
-              <a:r>
-                <a:rPr lang="pt-BR" sz="2500" i="1" dirty="0">
-                  <a:solidFill>
-                    <a:schemeClr val="tx1">
-                      <a:lumMod val="65000"/>
-                      <a:lumOff val="35000"/>
-                    </a:schemeClr>
-                  </a:solidFill>
-                  <a:latin typeface="Helvetia"/>
-                </a:rPr>
-                <a:t>front</a:t>
-              </a:r>
+              <a:endParaRPr lang="pt-BR" sz="2500" i="1" dirty="0">
+                <a:solidFill>
+                  <a:schemeClr val="tx1">
+                    <a:lumMod val="65000"/>
+                    <a:lumOff val="35000"/>
+                  </a:schemeClr>
+                </a:solidFill>
+                <a:latin typeface="Helvetia"/>
+              </a:endParaRPr>
             </a:p>
           </p:txBody>
         </p:sp>
@@ -9076,7 +9082,7 @@
                   </a:solidFill>
                   <a:latin typeface="Helvetia"/>
                 </a:rPr>
-                <a:t>Degugando</a:t>
+                <a:t>Debugando</a:t>
               </a:r>
               <a:r>
                 <a:rPr lang="pt-BR" sz="2500" dirty="0">
@@ -9116,7 +9122,7 @@
         </p:blipFill>
         <p:spPr>
           <a:xfrm>
-            <a:off x="3841140" y="1786194"/>
+            <a:off x="3841140" y="1827757"/>
             <a:ext cx="4509720" cy="4509720"/>
           </a:xfrm>
           <a:prstGeom prst="rect">
@@ -19739,7 +19745,7 @@
                   </a:solidFill>
                   <a:latin typeface="Helvetia"/>
                 </a:rPr>
-                <a:t>Testando e sofrendo...</a:t>
+                <a:t>Testando e aprendendo...</a:t>
               </a:r>
             </a:p>
           </p:txBody>
@@ -21011,7 +21017,7 @@
                   </a:solidFill>
                   <a:latin typeface="Helvetia"/>
                 </a:rPr>
-                <a:t>Ajustes no tipo de negócio e requisitos</a:t>
+                <a:t>Definição das páginas da aplicação</a:t>
               </a:r>
             </a:p>
           </p:txBody>
